--- a/presentation/Utilize o VSO e publique imagens Docker.pptx
+++ b/presentation/Utilize o VSO e publique imagens Docker.pptx
@@ -18,9 +18,11 @@
     <p:sldId id="263" r:id="rId12"/>
     <p:sldId id="264" r:id="rId13"/>
     <p:sldId id="265" r:id="rId14"/>
-    <p:sldId id="270" r:id="rId15"/>
-    <p:sldId id="266" r:id="rId16"/>
-    <p:sldId id="267" r:id="rId17"/>
+    <p:sldId id="272" r:id="rId15"/>
+    <p:sldId id="273" r:id="rId16"/>
+    <p:sldId id="270" r:id="rId17"/>
+    <p:sldId id="266" r:id="rId18"/>
+    <p:sldId id="267" r:id="rId19"/>
   </p:sldIdLst>
   <p:sldSz cx="12192000" cy="6858000"/>
   <p:notesSz cx="6858000" cy="9144000"/>
@@ -119,6 +121,11 @@
       </a:defRPr>
     </a:lvl9pPr>
   </p:defaultTextStyle>
+  <p:extLst>
+    <p:ext uri="{EFAFB233-063F-42B5-8137-9DF3F51BA10A}">
+      <p15:sldGuideLst xmlns:p15="http://schemas.microsoft.com/office/powerpoint/2012/main"/>
+    </p:ext>
+  </p:extLst>
 </p:presentation>
 </file>
 
@@ -253,7 +260,7 @@
           <a:p>
             <a:fld id="{8786BD38-F934-453C-AE42-CB9DCBC4069D}" type="datetimeFigureOut">
               <a:rPr lang="pt-BR" smtClean="0"/>
-              <a:t>15/04/2017</a:t>
+              <a:t>17/04/2017</a:t>
             </a:fld>
             <a:endParaRPr lang="pt-BR"/>
           </a:p>
@@ -423,7 +430,7 @@
           <a:p>
             <a:fld id="{8786BD38-F934-453C-AE42-CB9DCBC4069D}" type="datetimeFigureOut">
               <a:rPr lang="pt-BR" smtClean="0"/>
-              <a:t>15/04/2017</a:t>
+              <a:t>17/04/2017</a:t>
             </a:fld>
             <a:endParaRPr lang="pt-BR"/>
           </a:p>
@@ -603,7 +610,7 @@
           <a:p>
             <a:fld id="{8786BD38-F934-453C-AE42-CB9DCBC4069D}" type="datetimeFigureOut">
               <a:rPr lang="pt-BR" smtClean="0"/>
-              <a:t>15/04/2017</a:t>
+              <a:t>17/04/2017</a:t>
             </a:fld>
             <a:endParaRPr lang="pt-BR"/>
           </a:p>
@@ -773,7 +780,7 @@
           <a:p>
             <a:fld id="{8786BD38-F934-453C-AE42-CB9DCBC4069D}" type="datetimeFigureOut">
               <a:rPr lang="pt-BR" smtClean="0"/>
-              <a:t>15/04/2017</a:t>
+              <a:t>17/04/2017</a:t>
             </a:fld>
             <a:endParaRPr lang="pt-BR"/>
           </a:p>
@@ -1019,7 +1026,7 @@
           <a:p>
             <a:fld id="{8786BD38-F934-453C-AE42-CB9DCBC4069D}" type="datetimeFigureOut">
               <a:rPr lang="pt-BR" smtClean="0"/>
-              <a:t>15/04/2017</a:t>
+              <a:t>17/04/2017</a:t>
             </a:fld>
             <a:endParaRPr lang="pt-BR"/>
           </a:p>
@@ -1251,7 +1258,7 @@
           <a:p>
             <a:fld id="{8786BD38-F934-453C-AE42-CB9DCBC4069D}" type="datetimeFigureOut">
               <a:rPr lang="pt-BR" smtClean="0"/>
-              <a:t>15/04/2017</a:t>
+              <a:t>17/04/2017</a:t>
             </a:fld>
             <a:endParaRPr lang="pt-BR"/>
           </a:p>
@@ -1618,7 +1625,7 @@
           <a:p>
             <a:fld id="{8786BD38-F934-453C-AE42-CB9DCBC4069D}" type="datetimeFigureOut">
               <a:rPr lang="pt-BR" smtClean="0"/>
-              <a:t>15/04/2017</a:t>
+              <a:t>17/04/2017</a:t>
             </a:fld>
             <a:endParaRPr lang="pt-BR"/>
           </a:p>
@@ -1736,7 +1743,7 @@
           <a:p>
             <a:fld id="{8786BD38-F934-453C-AE42-CB9DCBC4069D}" type="datetimeFigureOut">
               <a:rPr lang="pt-BR" smtClean="0"/>
-              <a:t>15/04/2017</a:t>
+              <a:t>17/04/2017</a:t>
             </a:fld>
             <a:endParaRPr lang="pt-BR"/>
           </a:p>
@@ -1831,7 +1838,7 @@
           <a:p>
             <a:fld id="{8786BD38-F934-453C-AE42-CB9DCBC4069D}" type="datetimeFigureOut">
               <a:rPr lang="pt-BR" smtClean="0"/>
-              <a:t>15/04/2017</a:t>
+              <a:t>17/04/2017</a:t>
             </a:fld>
             <a:endParaRPr lang="pt-BR"/>
           </a:p>
@@ -2108,7 +2115,7 @@
           <a:p>
             <a:fld id="{8786BD38-F934-453C-AE42-CB9DCBC4069D}" type="datetimeFigureOut">
               <a:rPr lang="pt-BR" smtClean="0"/>
-              <a:t>15/04/2017</a:t>
+              <a:t>17/04/2017</a:t>
             </a:fld>
             <a:endParaRPr lang="pt-BR"/>
           </a:p>
@@ -2361,7 +2368,7 @@
           <a:p>
             <a:fld id="{8786BD38-F934-453C-AE42-CB9DCBC4069D}" type="datetimeFigureOut">
               <a:rPr lang="pt-BR" smtClean="0"/>
-              <a:t>15/04/2017</a:t>
+              <a:t>17/04/2017</a:t>
             </a:fld>
             <a:endParaRPr lang="pt-BR"/>
           </a:p>
@@ -2574,7 +2581,7 @@
           <a:p>
             <a:fld id="{8786BD38-F934-453C-AE42-CB9DCBC4069D}" type="datetimeFigureOut">
               <a:rPr lang="pt-BR" smtClean="0"/>
-              <a:t>15/04/2017</a:t>
+              <a:t>17/04/2017</a:t>
             </a:fld>
             <a:endParaRPr lang="pt-BR"/>
           </a:p>
@@ -3257,7 +3264,7 @@
           <a:bodyPr/>
           <a:lstStyle/>
           <a:p>
-            <a:endParaRPr lang="pt-BR"/>
+            <a:endParaRPr lang="pt-BR" dirty="0"/>
           </a:p>
         </p:txBody>
       </p:sp>
@@ -3379,8 +3386,16 @@
           <a:lstStyle/>
           <a:p>
             <a:r>
+              <a:rPr lang="pt-BR" dirty="0" err="1" smtClean="0"/>
+              <a:t>Docker</a:t>
+            </a:r>
+            <a:r>
               <a:rPr lang="pt-BR" dirty="0" smtClean="0"/>
-              <a:t>Implantação Contínua (CD)</a:t>
+              <a:t> </a:t>
+            </a:r>
+            <a:r>
+              <a:rPr lang="pt-BR" dirty="0" err="1" smtClean="0"/>
+              <a:t>Integration</a:t>
             </a:r>
             <a:endParaRPr lang="pt-BR" dirty="0"/>
           </a:p>
@@ -3401,14 +3416,113 @@
           <a:bodyPr/>
           <a:lstStyle/>
           <a:p>
-            <a:endParaRPr lang="pt-BR"/>
-          </a:p>
-        </p:txBody>
-      </p:sp>
+            <a:endParaRPr lang="pt-BR" dirty="0" smtClean="0">
+              <a:hlinkClick r:id="rId2"/>
+            </a:endParaRPr>
+          </a:p>
+          <a:p>
+            <a:endParaRPr lang="pt-BR" dirty="0">
+              <a:hlinkClick r:id="rId2"/>
+            </a:endParaRPr>
+          </a:p>
+          <a:p>
+            <a:endParaRPr lang="pt-BR" dirty="0" smtClean="0">
+              <a:hlinkClick r:id="rId2"/>
+            </a:endParaRPr>
+          </a:p>
+          <a:p>
+            <a:endParaRPr lang="pt-BR" dirty="0">
+              <a:hlinkClick r:id="rId2"/>
+            </a:endParaRPr>
+          </a:p>
+          <a:p>
+            <a:endParaRPr lang="pt-BR" dirty="0" smtClean="0">
+              <a:hlinkClick r:id="rId2"/>
+            </a:endParaRPr>
+          </a:p>
+          <a:p>
+            <a:endParaRPr lang="pt-BR" dirty="0">
+              <a:hlinkClick r:id="rId2"/>
+            </a:endParaRPr>
+          </a:p>
+          <a:p>
+            <a:endParaRPr lang="pt-BR" dirty="0" smtClean="0">
+              <a:hlinkClick r:id="rId2"/>
+            </a:endParaRPr>
+          </a:p>
+          <a:p>
+            <a:r>
+              <a:rPr lang="pt-BR" dirty="0" smtClean="0">
+                <a:hlinkClick r:id="rId2"/>
+              </a:rPr>
+              <a:t>https</a:t>
+            </a:r>
+            <a:r>
+              <a:rPr lang="pt-BR" dirty="0">
+                <a:hlinkClick r:id="rId2"/>
+              </a:rPr>
+              <a:t>://</a:t>
+            </a:r>
+            <a:r>
+              <a:rPr lang="pt-BR" dirty="0" smtClean="0">
+                <a:hlinkClick r:id="rId2"/>
+              </a:rPr>
+              <a:t>goo.gl/ugr57F</a:t>
+            </a:r>
+            <a:endParaRPr lang="pt-BR" dirty="0" smtClean="0"/>
+          </a:p>
+          <a:p>
+            <a:endParaRPr lang="pt-BR" dirty="0"/>
+          </a:p>
+        </p:txBody>
+      </p:sp>
+      <p:pic>
+        <p:nvPicPr>
+          <p:cNvPr id="1026" name="Picture 2" descr="https://d3nmt5vlzunoa1.cloudfront.net/phpstorm/files/2015/10/large_v-trans.png">
+            <a:hlinkClick r:id="rId3"/>
+          </p:cNvPr>
+          <p:cNvPicPr>
+            <a:picLocks noChangeAspect="1" noChangeArrowheads="1"/>
+          </p:cNvPicPr>
+          <p:nvPr/>
+        </p:nvPicPr>
+        <p:blipFill>
+          <a:blip r:embed="rId4" cstate="print">
+            <a:extLst>
+              <a:ext uri="{28A0092B-C50C-407E-A947-70E740481C1C}">
+                <a14:useLocalDpi xmlns:a14="http://schemas.microsoft.com/office/drawing/2010/main" val="0"/>
+              </a:ext>
+            </a:extLst>
+          </a:blip>
+          <a:srcRect/>
+          <a:stretch>
+            <a:fillRect/>
+          </a:stretch>
+        </p:blipFill>
+        <p:spPr bwMode="auto">
+          <a:xfrm>
+            <a:off x="3637626" y="1397361"/>
+            <a:ext cx="4406780" cy="3931603"/>
+          </a:xfrm>
+          <a:prstGeom prst="rect">
+            <a:avLst/>
+          </a:prstGeom>
+          <a:noFill/>
+          <a:extLst>
+            <a:ext uri="{909E8E84-426E-40DD-AFC4-6F175D3DCCD1}">
+              <a14:hiddenFill xmlns:a14="http://schemas.microsoft.com/office/drawing/2010/main">
+                <a:solidFill>
+                  <a:srgbClr val="FFFFFF"/>
+                </a:solidFill>
+              </a14:hiddenFill>
+            </a:ext>
+          </a:extLst>
+        </p:spPr>
+      </p:pic>
     </p:spTree>
     <p:extLst>
       <p:ext uri="{BB962C8B-B14F-4D97-AF65-F5344CB8AC3E}">
-        <p14:creationId xmlns:p14="http://schemas.microsoft.com/office/powerpoint/2010/main" val="4230100810"/>
+        <p14:creationId xmlns:p14="http://schemas.microsoft.com/office/powerpoint/2010/main" val="3045650120"/>
       </p:ext>
     </p:extLst>
   </p:cSld>
@@ -3452,6 +3566,241 @@
           <a:p>
             <a:r>
               <a:rPr lang="pt-BR" dirty="0" smtClean="0"/>
+              <a:t>Criar máquina de Build</a:t>
+            </a:r>
+            <a:endParaRPr lang="pt-BR" dirty="0"/>
+          </a:p>
+        </p:txBody>
+      </p:sp>
+      <p:sp>
+        <p:nvSpPr>
+          <p:cNvPr id="3" name="Espaço Reservado para Conteúdo 2"/>
+          <p:cNvSpPr>
+            <a:spLocks noGrp="1"/>
+          </p:cNvSpPr>
+          <p:nvPr>
+            <p:ph idx="1"/>
+          </p:nvPr>
+        </p:nvSpPr>
+        <p:spPr/>
+        <p:txBody>
+          <a:bodyPr/>
+          <a:lstStyle/>
+          <a:p>
+            <a:pPr marL="0" indent="0">
+              <a:buNone/>
+            </a:pPr>
+            <a:r>
+              <a:rPr lang="en-US" dirty="0" err="1"/>
+              <a:t>docker</a:t>
+            </a:r>
+            <a:r>
+              <a:rPr lang="en-US" dirty="0"/>
+              <a:t>-machine create -d azure \</a:t>
+            </a:r>
+          </a:p>
+          <a:p>
+            <a:pPr marL="0" indent="0">
+              <a:buNone/>
+            </a:pPr>
+            <a:r>
+              <a:rPr lang="en-US" dirty="0"/>
+              <a:t>  --azure-subscription-id 28d98af1-30cd-4788-a130-7543d841cb29 \</a:t>
+            </a:r>
+          </a:p>
+          <a:p>
+            <a:pPr marL="0" indent="0">
+              <a:buNone/>
+            </a:pPr>
+            <a:r>
+              <a:rPr lang="en-US" dirty="0"/>
+              <a:t>  </a:t>
+            </a:r>
+            <a:r>
+              <a:rPr lang="en-US" dirty="0" smtClean="0"/>
+              <a:t>tfs-build00</a:t>
+            </a:r>
+          </a:p>
+          <a:p>
+            <a:pPr marL="0" indent="0">
+              <a:buNone/>
+            </a:pPr>
+            <a:endParaRPr lang="en-US" dirty="0"/>
+          </a:p>
+          <a:p>
+            <a:pPr marL="0" indent="0">
+              <a:buNone/>
+            </a:pPr>
+            <a:r>
+              <a:rPr lang="pt-BR" dirty="0"/>
+              <a:t>%</a:t>
+            </a:r>
+            <a:r>
+              <a:rPr lang="pt-BR" dirty="0" err="1"/>
+              <a:t>userprofile</a:t>
+            </a:r>
+            <a:r>
+              <a:rPr lang="pt-BR" dirty="0"/>
+              <a:t>%\.</a:t>
+            </a:r>
+            <a:r>
+              <a:rPr lang="pt-BR" dirty="0" err="1" smtClean="0"/>
+              <a:t>docker</a:t>
+            </a:r>
+            <a:r>
+              <a:rPr lang="pt-BR" dirty="0" smtClean="0"/>
+              <a:t>\</a:t>
+            </a:r>
+            <a:r>
+              <a:rPr lang="pt-BR" dirty="0" err="1" smtClean="0"/>
+              <a:t>machine</a:t>
+            </a:r>
+            <a:r>
+              <a:rPr lang="pt-BR" dirty="0" smtClean="0"/>
+              <a:t>\</a:t>
+            </a:r>
+            <a:r>
+              <a:rPr lang="pt-BR" dirty="0" err="1" smtClean="0"/>
+              <a:t>machines</a:t>
+            </a:r>
+            <a:r>
+              <a:rPr lang="pt-BR" dirty="0" smtClean="0"/>
+              <a:t>\tfs-build00</a:t>
+            </a:r>
+          </a:p>
+          <a:p>
+            <a:pPr marL="0" indent="0">
+              <a:buNone/>
+            </a:pPr>
+            <a:endParaRPr lang="pt-BR" dirty="0"/>
+          </a:p>
+          <a:p>
+            <a:pPr marL="0" indent="0">
+              <a:buNone/>
+            </a:pPr>
+            <a:endParaRPr lang="pt-BR" dirty="0"/>
+          </a:p>
+        </p:txBody>
+      </p:sp>
+    </p:spTree>
+    <p:extLst>
+      <p:ext uri="{BB962C8B-B14F-4D97-AF65-F5344CB8AC3E}">
+        <p14:creationId xmlns:p14="http://schemas.microsoft.com/office/powerpoint/2010/main" val="1504107840"/>
+      </p:ext>
+    </p:extLst>
+  </p:cSld>
+  <p:clrMapOvr>
+    <a:masterClrMapping/>
+  </p:clrMapOvr>
+</p:sld>
+</file>
+
+<file path=ppt/slides/slide16.xml><?xml version="1.0" encoding="utf-8"?>
+<p:sld xmlns:a="http://schemas.openxmlformats.org/drawingml/2006/main" xmlns:r="http://schemas.openxmlformats.org/officeDocument/2006/relationships" xmlns:p="http://schemas.openxmlformats.org/presentationml/2006/main">
+  <p:cSld>
+    <p:spTree>
+      <p:nvGrpSpPr>
+        <p:cNvPr id="1" name=""/>
+        <p:cNvGrpSpPr/>
+        <p:nvPr/>
+      </p:nvGrpSpPr>
+      <p:grpSpPr>
+        <a:xfrm>
+          <a:off x="0" y="0"/>
+          <a:ext cx="0" cy="0"/>
+          <a:chOff x="0" y="0"/>
+          <a:chExt cx="0" cy="0"/>
+        </a:xfrm>
+      </p:grpSpPr>
+      <p:sp>
+        <p:nvSpPr>
+          <p:cNvPr id="2" name="Título 1"/>
+          <p:cNvSpPr>
+            <a:spLocks noGrp="1"/>
+          </p:cNvSpPr>
+          <p:nvPr>
+            <p:ph type="title"/>
+          </p:nvPr>
+        </p:nvSpPr>
+        <p:spPr/>
+        <p:txBody>
+          <a:bodyPr/>
+          <a:lstStyle/>
+          <a:p>
+            <a:r>
+              <a:rPr lang="pt-BR" dirty="0" smtClean="0"/>
+              <a:t>Implantação Contínua (CD)</a:t>
+            </a:r>
+            <a:endParaRPr lang="pt-BR" dirty="0"/>
+          </a:p>
+        </p:txBody>
+      </p:sp>
+      <p:sp>
+        <p:nvSpPr>
+          <p:cNvPr id="3" name="Espaço Reservado para Conteúdo 2"/>
+          <p:cNvSpPr>
+            <a:spLocks noGrp="1"/>
+          </p:cNvSpPr>
+          <p:nvPr>
+            <p:ph idx="1"/>
+          </p:nvPr>
+        </p:nvSpPr>
+        <p:spPr/>
+        <p:txBody>
+          <a:bodyPr/>
+          <a:lstStyle/>
+          <a:p>
+            <a:endParaRPr lang="pt-BR"/>
+          </a:p>
+        </p:txBody>
+      </p:sp>
+    </p:spTree>
+    <p:extLst>
+      <p:ext uri="{BB962C8B-B14F-4D97-AF65-F5344CB8AC3E}">
+        <p14:creationId xmlns:p14="http://schemas.microsoft.com/office/powerpoint/2010/main" val="4230100810"/>
+      </p:ext>
+    </p:extLst>
+  </p:cSld>
+  <p:clrMapOvr>
+    <a:masterClrMapping/>
+  </p:clrMapOvr>
+</p:sld>
+</file>
+
+<file path=ppt/slides/slide17.xml><?xml version="1.0" encoding="utf-8"?>
+<p:sld xmlns:a="http://schemas.openxmlformats.org/drawingml/2006/main" xmlns:r="http://schemas.openxmlformats.org/officeDocument/2006/relationships" xmlns:p="http://schemas.openxmlformats.org/presentationml/2006/main">
+  <p:cSld>
+    <p:spTree>
+      <p:nvGrpSpPr>
+        <p:cNvPr id="1" name=""/>
+        <p:cNvGrpSpPr/>
+        <p:nvPr/>
+      </p:nvGrpSpPr>
+      <p:grpSpPr>
+        <a:xfrm>
+          <a:off x="0" y="0"/>
+          <a:ext cx="0" cy="0"/>
+          <a:chOff x="0" y="0"/>
+          <a:chExt cx="0" cy="0"/>
+        </a:xfrm>
+      </p:grpSpPr>
+      <p:sp>
+        <p:nvSpPr>
+          <p:cNvPr id="2" name="Título 1"/>
+          <p:cNvSpPr>
+            <a:spLocks noGrp="1"/>
+          </p:cNvSpPr>
+          <p:nvPr>
+            <p:ph type="title"/>
+          </p:nvPr>
+        </p:nvSpPr>
+        <p:spPr/>
+        <p:txBody>
+          <a:bodyPr/>
+          <a:lstStyle/>
+          <a:p>
+            <a:r>
+              <a:rPr lang="pt-BR" dirty="0" smtClean="0"/>
               <a:t>Demo</a:t>
             </a:r>
             <a:endParaRPr lang="pt-BR" dirty="0"/>
@@ -3497,7 +3846,7 @@
 </p:sld>
 </file>
 
-<file path=ppt/slides/slide16.xml><?xml version="1.0" encoding="utf-8"?>
+<file path=ppt/slides/slide18.xml><?xml version="1.0" encoding="utf-8"?>
 <p:sld xmlns:a="http://schemas.openxmlformats.org/drawingml/2006/main" xmlns:r="http://schemas.openxmlformats.org/officeDocument/2006/relationships" xmlns:p="http://schemas.openxmlformats.org/presentationml/2006/main">
   <p:cSld>
     <p:spTree>
@@ -3550,7 +3899,7 @@
         <p:spPr/>
         <p:txBody>
           <a:bodyPr>
-            <a:normAutofit fontScale="85000" lnSpcReduction="20000"/>
+            <a:normAutofit fontScale="70000" lnSpcReduction="20000"/>
           </a:bodyPr>
           <a:lstStyle/>
           <a:p>
@@ -3705,7 +4054,15 @@
             </a:r>
             <a:r>
               <a:rPr lang="pt-BR" dirty="0" smtClean="0"/>
-              <a:t> CLI 2.0</a:t>
+              <a:t> CLI </a:t>
+            </a:r>
+            <a:r>
+              <a:rPr lang="pt-BR" dirty="0" smtClean="0"/>
+              <a:t>2.0</a:t>
+            </a:r>
+            <a:r>
+              <a:rPr lang="pt-BR" dirty="0" smtClean="0"/>
+              <a:t/>
             </a:r>
             <a:br>
               <a:rPr lang="pt-BR" dirty="0" smtClean="0"/>
@@ -3714,14 +4071,76 @@
               <a:rPr lang="pt-BR" dirty="0" smtClean="0">
                 <a:hlinkClick r:id="rId6"/>
               </a:rPr>
-              <a:t>https://goo.gl/4fqVrP</a:t>
+              <a:t>https://</a:t>
+            </a:r>
+            <a:r>
+              <a:rPr lang="pt-BR" dirty="0" smtClean="0">
+                <a:hlinkClick r:id="rId6"/>
+              </a:rPr>
+              <a:t>goo.gl/4fqVrP</a:t>
             </a:r>
             <a:endParaRPr lang="pt-BR" dirty="0" smtClean="0"/>
           </a:p>
           <a:p>
-            <a:endParaRPr lang="pt-BR" dirty="0"/>
-          </a:p>
-          <a:p>
+            <a:r>
+              <a:rPr lang="pt-BR" dirty="0" smtClean="0"/>
+              <a:t>VSTS Agent (</a:t>
+            </a:r>
+            <a:r>
+              <a:rPr lang="pt-BR" dirty="0" err="1" smtClean="0"/>
+              <a:t>Docker</a:t>
+            </a:r>
+            <a:r>
+              <a:rPr lang="pt-BR" dirty="0" smtClean="0"/>
+              <a:t>)</a:t>
+            </a:r>
+            <a:br>
+              <a:rPr lang="pt-BR" dirty="0" smtClean="0"/>
+            </a:br>
+            <a:r>
+              <a:rPr lang="pt-BR" dirty="0">
+                <a:hlinkClick r:id="rId7"/>
+              </a:rPr>
+              <a:t>https://</a:t>
+            </a:r>
+            <a:r>
+              <a:rPr lang="pt-BR" dirty="0" smtClean="0">
+                <a:hlinkClick r:id="rId7"/>
+              </a:rPr>
+              <a:t>goo.gl/TMG2FK</a:t>
+            </a:r>
+            <a:endParaRPr lang="pt-BR" dirty="0" smtClean="0"/>
+          </a:p>
+          <a:p>
+            <a:r>
+              <a:rPr lang="en-US" dirty="0"/>
+              <a:t>Authenticate access with personal access tokens for Team Services and </a:t>
+            </a:r>
+            <a:r>
+              <a:rPr lang="en-US" dirty="0" smtClean="0"/>
+              <a:t>TFS</a:t>
+            </a:r>
+            <a:br>
+              <a:rPr lang="en-US" dirty="0" smtClean="0"/>
+            </a:br>
+            <a:r>
+              <a:rPr lang="pt-BR" dirty="0" smtClean="0">
+                <a:hlinkClick r:id="rId8"/>
+              </a:rPr>
+              <a:t>https</a:t>
+            </a:r>
+            <a:r>
+              <a:rPr lang="pt-BR" dirty="0">
+                <a:hlinkClick r:id="rId8"/>
+              </a:rPr>
+              <a:t>://</a:t>
+            </a:r>
+            <a:r>
+              <a:rPr lang="pt-BR" dirty="0" smtClean="0">
+                <a:hlinkClick r:id="rId8"/>
+              </a:rPr>
+              <a:t>goo.gl/tEw9Vn</a:t>
+            </a:r>
             <a:endParaRPr lang="pt-BR" dirty="0" smtClean="0"/>
           </a:p>
         </p:txBody>

--- a/presentation/Utilize o VSO e publique imagens Docker.pptx
+++ b/presentation/Utilize o VSO e publique imagens Docker.pptx
@@ -260,7 +260,7 @@
           <a:p>
             <a:fld id="{8786BD38-F934-453C-AE42-CB9DCBC4069D}" type="datetimeFigureOut">
               <a:rPr lang="pt-BR" smtClean="0"/>
-              <a:t>17/04/2017</a:t>
+              <a:t>21/04/2017</a:t>
             </a:fld>
             <a:endParaRPr lang="pt-BR"/>
           </a:p>
@@ -430,7 +430,7 @@
           <a:p>
             <a:fld id="{8786BD38-F934-453C-AE42-CB9DCBC4069D}" type="datetimeFigureOut">
               <a:rPr lang="pt-BR" smtClean="0"/>
-              <a:t>17/04/2017</a:t>
+              <a:t>21/04/2017</a:t>
             </a:fld>
             <a:endParaRPr lang="pt-BR"/>
           </a:p>
@@ -610,7 +610,7 @@
           <a:p>
             <a:fld id="{8786BD38-F934-453C-AE42-CB9DCBC4069D}" type="datetimeFigureOut">
               <a:rPr lang="pt-BR" smtClean="0"/>
-              <a:t>17/04/2017</a:t>
+              <a:t>21/04/2017</a:t>
             </a:fld>
             <a:endParaRPr lang="pt-BR"/>
           </a:p>
@@ -780,7 +780,7 @@
           <a:p>
             <a:fld id="{8786BD38-F934-453C-AE42-CB9DCBC4069D}" type="datetimeFigureOut">
               <a:rPr lang="pt-BR" smtClean="0"/>
-              <a:t>17/04/2017</a:t>
+              <a:t>21/04/2017</a:t>
             </a:fld>
             <a:endParaRPr lang="pt-BR"/>
           </a:p>
@@ -1026,7 +1026,7 @@
           <a:p>
             <a:fld id="{8786BD38-F934-453C-AE42-CB9DCBC4069D}" type="datetimeFigureOut">
               <a:rPr lang="pt-BR" smtClean="0"/>
-              <a:t>17/04/2017</a:t>
+              <a:t>21/04/2017</a:t>
             </a:fld>
             <a:endParaRPr lang="pt-BR"/>
           </a:p>
@@ -1258,7 +1258,7 @@
           <a:p>
             <a:fld id="{8786BD38-F934-453C-AE42-CB9DCBC4069D}" type="datetimeFigureOut">
               <a:rPr lang="pt-BR" smtClean="0"/>
-              <a:t>17/04/2017</a:t>
+              <a:t>21/04/2017</a:t>
             </a:fld>
             <a:endParaRPr lang="pt-BR"/>
           </a:p>
@@ -1625,7 +1625,7 @@
           <a:p>
             <a:fld id="{8786BD38-F934-453C-AE42-CB9DCBC4069D}" type="datetimeFigureOut">
               <a:rPr lang="pt-BR" smtClean="0"/>
-              <a:t>17/04/2017</a:t>
+              <a:t>21/04/2017</a:t>
             </a:fld>
             <a:endParaRPr lang="pt-BR"/>
           </a:p>
@@ -1743,7 +1743,7 @@
           <a:p>
             <a:fld id="{8786BD38-F934-453C-AE42-CB9DCBC4069D}" type="datetimeFigureOut">
               <a:rPr lang="pt-BR" smtClean="0"/>
-              <a:t>17/04/2017</a:t>
+              <a:t>21/04/2017</a:t>
             </a:fld>
             <a:endParaRPr lang="pt-BR"/>
           </a:p>
@@ -1838,7 +1838,7 @@
           <a:p>
             <a:fld id="{8786BD38-F934-453C-AE42-CB9DCBC4069D}" type="datetimeFigureOut">
               <a:rPr lang="pt-BR" smtClean="0"/>
-              <a:t>17/04/2017</a:t>
+              <a:t>21/04/2017</a:t>
             </a:fld>
             <a:endParaRPr lang="pt-BR"/>
           </a:p>
@@ -2115,7 +2115,7 @@
           <a:p>
             <a:fld id="{8786BD38-F934-453C-AE42-CB9DCBC4069D}" type="datetimeFigureOut">
               <a:rPr lang="pt-BR" smtClean="0"/>
-              <a:t>17/04/2017</a:t>
+              <a:t>21/04/2017</a:t>
             </a:fld>
             <a:endParaRPr lang="pt-BR"/>
           </a:p>
@@ -2368,7 +2368,7 @@
           <a:p>
             <a:fld id="{8786BD38-F934-453C-AE42-CB9DCBC4069D}" type="datetimeFigureOut">
               <a:rPr lang="pt-BR" smtClean="0"/>
-              <a:t>17/04/2017</a:t>
+              <a:t>21/04/2017</a:t>
             </a:fld>
             <a:endParaRPr lang="pt-BR"/>
           </a:p>
@@ -2581,7 +2581,7 @@
           <a:p>
             <a:fld id="{8786BD38-F934-453C-AE42-CB9DCBC4069D}" type="datetimeFigureOut">
               <a:rPr lang="pt-BR" smtClean="0"/>
-              <a:t>17/04/2017</a:t>
+              <a:t>21/04/2017</a:t>
             </a:fld>
             <a:endParaRPr lang="pt-BR"/>
           </a:p>
@@ -2996,7 +2996,12 @@
             <p:ph type="ctrTitle"/>
           </p:nvPr>
         </p:nvSpPr>
-        <p:spPr/>
+        <p:spPr>
+          <a:xfrm>
+            <a:off x="1524000" y="3013969"/>
+            <a:ext cx="9144000" cy="2387600"/>
+          </a:xfrm>
+        </p:spPr>
         <p:txBody>
           <a:bodyPr/>
           <a:lstStyle/>
@@ -3023,15 +3028,65 @@
             <p:ph type="subTitle" idx="1"/>
           </p:nvPr>
         </p:nvSpPr>
-        <p:spPr/>
-        <p:txBody>
-          <a:bodyPr/>
-          <a:lstStyle/>
-          <a:p>
-            <a:endParaRPr lang="pt-BR"/>
-          </a:p>
-        </p:txBody>
-      </p:sp>
+        <p:spPr>
+          <a:xfrm>
+            <a:off x="1524000" y="5493644"/>
+            <a:ext cx="9144000" cy="640940"/>
+          </a:xfrm>
+        </p:spPr>
+        <p:txBody>
+          <a:bodyPr/>
+          <a:lstStyle/>
+          <a:p>
+            <a:r>
+              <a:rPr lang="pt-BR" dirty="0" smtClean="0"/>
+              <a:t>Ivan Paulovich</a:t>
+            </a:r>
+            <a:endParaRPr lang="pt-BR" dirty="0"/>
+          </a:p>
+        </p:txBody>
+      </p:sp>
+      <p:pic>
+        <p:nvPicPr>
+          <p:cNvPr id="2050" name="Picture 2" descr="https://global.azurebootcamp.net/wp-content/uploads/2016/09/2017-logo-400x270.png"/>
+          <p:cNvPicPr>
+            <a:picLocks noChangeAspect="1" noChangeArrowheads="1"/>
+          </p:cNvPicPr>
+          <p:nvPr/>
+        </p:nvPicPr>
+        <p:blipFill>
+          <a:blip r:embed="rId2">
+            <a:extLst>
+              <a:ext uri="{28A0092B-C50C-407E-A947-70E740481C1C}">
+                <a14:useLocalDpi xmlns:a14="http://schemas.microsoft.com/office/drawing/2010/main" val="0"/>
+              </a:ext>
+            </a:extLst>
+          </a:blip>
+          <a:srcRect/>
+          <a:stretch>
+            <a:fillRect/>
+          </a:stretch>
+        </p:blipFill>
+        <p:spPr bwMode="auto">
+          <a:xfrm>
+            <a:off x="4191000" y="718454"/>
+            <a:ext cx="3810000" cy="2571751"/>
+          </a:xfrm>
+          <a:prstGeom prst="rect">
+            <a:avLst/>
+          </a:prstGeom>
+          <a:noFill/>
+          <a:extLst>
+            <a:ext uri="{909E8E84-426E-40DD-AFC4-6F175D3DCCD1}">
+              <a14:hiddenFill xmlns:a14="http://schemas.microsoft.com/office/drawing/2010/main">
+                <a:solidFill>
+                  <a:srgbClr val="FFFFFF"/>
+                </a:solidFill>
+              </a14:hiddenFill>
+            </a:ext>
+          </a:extLst>
+        </p:spPr>
+      </p:pic>
     </p:spTree>
     <p:extLst>
       <p:ext uri="{BB962C8B-B14F-4D97-AF65-F5344CB8AC3E}">
@@ -4054,15 +4109,7 @@
             </a:r>
             <a:r>
               <a:rPr lang="pt-BR" dirty="0" smtClean="0"/>
-              <a:t> CLI </a:t>
-            </a:r>
-            <a:r>
-              <a:rPr lang="pt-BR" dirty="0" smtClean="0"/>
-              <a:t>2.0</a:t>
-            </a:r>
-            <a:r>
-              <a:rPr lang="pt-BR" dirty="0" smtClean="0"/>
-              <a:t/>
+              <a:t> CLI 2.0</a:t>
             </a:r>
             <a:br>
               <a:rPr lang="pt-BR" dirty="0" smtClean="0"/>
@@ -4071,13 +4118,7 @@
               <a:rPr lang="pt-BR" dirty="0" smtClean="0">
                 <a:hlinkClick r:id="rId6"/>
               </a:rPr>
-              <a:t>https://</a:t>
-            </a:r>
-            <a:r>
-              <a:rPr lang="pt-BR" dirty="0" smtClean="0">
-                <a:hlinkClick r:id="rId6"/>
-              </a:rPr>
-              <a:t>goo.gl/4fqVrP</a:t>
+              <a:t>https://goo.gl/4fqVrP</a:t>
             </a:r>
             <a:endParaRPr lang="pt-BR" dirty="0" smtClean="0"/>
           </a:p>
@@ -4218,7 +4259,7 @@
         <p:spPr/>
         <p:txBody>
           <a:bodyPr>
-            <a:normAutofit/>
+            <a:normAutofit lnSpcReduction="10000"/>
           </a:bodyPr>
           <a:lstStyle/>
           <a:p>
@@ -4269,14 +4310,30 @@
           <a:p>
             <a:r>
               <a:rPr lang="pt-BR" dirty="0" smtClean="0"/>
-              <a:t>Entrega Contínua (CD)</a:t>
-            </a:r>
-          </a:p>
-          <a:p>
+              <a:t>Entrega Contínua (CD</a:t>
+            </a:r>
             <a:r>
               <a:rPr lang="pt-BR" dirty="0" smtClean="0"/>
-              <a:t>Demo</a:t>
-            </a:r>
+              <a:t>)</a:t>
+            </a:r>
+          </a:p>
+          <a:p>
+            <a:r>
+              <a:rPr lang="pt-BR" dirty="0" smtClean="0"/>
+              <a:t>Implantação Contínua</a:t>
+            </a:r>
+            <a:endParaRPr lang="pt-BR" dirty="0" smtClean="0"/>
+          </a:p>
+          <a:p>
+            <a:r>
+              <a:rPr lang="pt-BR" dirty="0" smtClean="0"/>
+              <a:t>Demo e </a:t>
+            </a:r>
+            <a:r>
+              <a:rPr lang="pt-BR" dirty="0" err="1" smtClean="0"/>
+              <a:t>Labs</a:t>
+            </a:r>
+            <a:endParaRPr lang="pt-BR" dirty="0" smtClean="0"/>
           </a:p>
         </p:txBody>
       </p:sp>
@@ -4334,51 +4391,304 @@
           <a:p>
             <a:r>
               <a:rPr lang="pt-BR" dirty="0" smtClean="0"/>
-              <a:t>Sobre mim</a:t>
+              <a:t>Ivan Paulovich</a:t>
             </a:r>
             <a:endParaRPr lang="pt-BR" dirty="0"/>
           </a:p>
         </p:txBody>
       </p:sp>
-      <p:sp>
-        <p:nvSpPr>
-          <p:cNvPr id="3" name="Espaço Reservado para Conteúdo 2"/>
-          <p:cNvSpPr>
-            <a:spLocks noGrp="1"/>
-          </p:cNvSpPr>
-          <p:nvPr>
-            <p:ph idx="1"/>
-          </p:nvPr>
-        </p:nvSpPr>
-        <p:spPr/>
-        <p:txBody>
-          <a:bodyPr/>
-          <a:lstStyle/>
-          <a:p>
-            <a:r>
-              <a:rPr lang="pt-BR" dirty="0" smtClean="0"/>
-              <a:t>Arquiteto de Softwares na BHS</a:t>
-            </a:r>
-          </a:p>
-          <a:p>
-            <a:r>
-              <a:rPr lang="pt-BR" dirty="0" smtClean="0"/>
-              <a:t>Fui em MVP em 2012, 2013 e 2014.</a:t>
-            </a:r>
-          </a:p>
-          <a:p>
-            <a:r>
-              <a:rPr lang="pt-BR" dirty="0" smtClean="0"/>
-              <a:t>MVP </a:t>
-            </a:r>
-            <a:r>
-              <a:rPr lang="pt-BR" dirty="0" err="1" smtClean="0"/>
-              <a:t>Reconnect</a:t>
-            </a:r>
-            <a:r>
-              <a:rPr lang="pt-BR" dirty="0" smtClean="0"/>
-              <a:t> – em andamento</a:t>
-            </a:r>
+      <p:pic>
+        <p:nvPicPr>
+          <p:cNvPr id="4" name="Imagem 3"/>
+          <p:cNvPicPr>
+            <a:picLocks noChangeAspect="1"/>
+          </p:cNvPicPr>
+          <p:nvPr/>
+        </p:nvPicPr>
+        <p:blipFill>
+          <a:blip r:embed="rId2"/>
+          <a:stretch>
+            <a:fillRect/>
+          </a:stretch>
+        </p:blipFill>
+        <p:spPr>
+          <a:xfrm>
+            <a:off x="5815400" y="4643735"/>
+            <a:ext cx="4042057" cy="929378"/>
+          </a:xfrm>
+          <a:prstGeom prst="rect">
+            <a:avLst/>
+          </a:prstGeom>
+        </p:spPr>
+      </p:pic>
+      <p:pic>
+        <p:nvPicPr>
+          <p:cNvPr id="1026" name="Picture 2" descr="https://msdnshared.blob.core.windows.net/media/2016/11/MVPReconnect_Logo.png"/>
+          <p:cNvPicPr>
+            <a:picLocks noChangeAspect="1" noChangeArrowheads="1"/>
+          </p:cNvPicPr>
+          <p:nvPr/>
+        </p:nvPicPr>
+        <p:blipFill>
+          <a:blip r:embed="rId3">
+            <a:extLst>
+              <a:ext uri="{28A0092B-C50C-407E-A947-70E740481C1C}">
+                <a14:useLocalDpi xmlns:a14="http://schemas.microsoft.com/office/drawing/2010/main" val="0"/>
+              </a:ext>
+            </a:extLst>
+          </a:blip>
+          <a:srcRect/>
+          <a:stretch>
+            <a:fillRect/>
+          </a:stretch>
+        </p:blipFill>
+        <p:spPr bwMode="auto">
+          <a:xfrm>
+            <a:off x="7637062" y="1640234"/>
+            <a:ext cx="3517371" cy="1170360"/>
+          </a:xfrm>
+          <a:prstGeom prst="rect">
+            <a:avLst/>
+          </a:prstGeom>
+          <a:noFill/>
+          <a:extLst>
+            <a:ext uri="{909E8E84-426E-40DD-AFC4-6F175D3DCCD1}">
+              <a14:hiddenFill xmlns:a14="http://schemas.microsoft.com/office/drawing/2010/main">
+                <a:solidFill>
+                  <a:srgbClr val="FFFFFF"/>
+                </a:solidFill>
+              </a14:hiddenFill>
+            </a:ext>
+          </a:extLst>
+        </p:spPr>
+      </p:pic>
+      <p:grpSp>
+        <p:nvGrpSpPr>
+          <p:cNvPr id="6" name="Grupo 5"/>
+          <p:cNvGrpSpPr/>
+          <p:nvPr/>
+        </p:nvGrpSpPr>
+        <p:grpSpPr>
+          <a:xfrm>
+            <a:off x="4245886" y="1476938"/>
+            <a:ext cx="3391176" cy="1591533"/>
+            <a:chOff x="6818842" y="885163"/>
+            <a:chExt cx="3570826" cy="1675845"/>
+          </a:xfrm>
+        </p:grpSpPr>
+        <p:pic>
+          <p:nvPicPr>
+            <p:cNvPr id="1028" name="Picture 4" descr="https://alexandrebrisebois.files.wordpress.com/2014/07/microsoft-mvp.gif"/>
+            <p:cNvPicPr>
+              <a:picLocks noChangeAspect="1" noChangeArrowheads="1"/>
+            </p:cNvPicPr>
+            <p:nvPr/>
+          </p:nvPicPr>
+          <p:blipFill>
+            <a:blip r:embed="rId4">
+              <a:extLst>
+                <a:ext uri="{28A0092B-C50C-407E-A947-70E740481C1C}">
+                  <a14:useLocalDpi xmlns:a14="http://schemas.microsoft.com/office/drawing/2010/main" val="0"/>
+                </a:ext>
+              </a:extLst>
+            </a:blip>
+            <a:srcRect/>
+            <a:stretch>
+              <a:fillRect/>
+            </a:stretch>
+          </p:blipFill>
+          <p:spPr bwMode="auto">
+            <a:xfrm>
+              <a:off x="6818842" y="885163"/>
+              <a:ext cx="3570826" cy="1471613"/>
+            </a:xfrm>
+            <a:prstGeom prst="rect">
+              <a:avLst/>
+            </a:prstGeom>
+            <a:noFill/>
+            <a:extLst>
+              <a:ext uri="{909E8E84-426E-40DD-AFC4-6F175D3DCCD1}">
+                <a14:hiddenFill xmlns:a14="http://schemas.microsoft.com/office/drawing/2010/main">
+                  <a:solidFill>
+                    <a:srgbClr val="FFFFFF"/>
+                  </a:solidFill>
+                </a14:hiddenFill>
+              </a:ext>
+            </a:extLst>
+          </p:spPr>
+        </p:pic>
+        <p:sp>
+          <p:nvSpPr>
+            <p:cNvPr id="5" name="CaixaDeTexto 4"/>
+            <p:cNvSpPr txBox="1"/>
+            <p:nvPr/>
+          </p:nvSpPr>
+          <p:spPr>
+            <a:xfrm>
+              <a:off x="7719488" y="2172110"/>
+              <a:ext cx="1769534" cy="388898"/>
+            </a:xfrm>
+            <a:prstGeom prst="rect">
+              <a:avLst/>
+            </a:prstGeom>
+            <a:noFill/>
+          </p:spPr>
+          <p:txBody>
+            <a:bodyPr wrap="square" rtlCol="0">
+              <a:spAutoFit/>
+            </a:bodyPr>
+            <a:lstStyle/>
+            <a:p>
+              <a:r>
+                <a:rPr lang="pt-BR" b="1" dirty="0" smtClean="0"/>
+                <a:t>De 2012 à 2014</a:t>
+              </a:r>
+              <a:endParaRPr lang="pt-BR" b="1" dirty="0"/>
+            </a:p>
+          </p:txBody>
+        </p:sp>
+      </p:grpSp>
+      <p:pic>
+        <p:nvPicPr>
+          <p:cNvPr id="1030" name="Picture 6" descr="http://bhs.com.br/wp-content/themes/bhs/images/marca-bhs.png"/>
+          <p:cNvPicPr>
+            <a:picLocks noChangeAspect="1" noChangeArrowheads="1"/>
+          </p:cNvPicPr>
+          <p:nvPr/>
+        </p:nvPicPr>
+        <p:blipFill>
+          <a:blip r:embed="rId5">
+            <a:extLst>
+              <a:ext uri="{28A0092B-C50C-407E-A947-70E740481C1C}">
+                <a14:useLocalDpi xmlns:a14="http://schemas.microsoft.com/office/drawing/2010/main" val="0"/>
+              </a:ext>
+            </a:extLst>
+          </a:blip>
+          <a:srcRect/>
+          <a:stretch>
+            <a:fillRect/>
+          </a:stretch>
+        </p:blipFill>
+        <p:spPr bwMode="auto">
+          <a:xfrm>
+            <a:off x="5475511" y="3580594"/>
+            <a:ext cx="2161551" cy="647171"/>
+          </a:xfrm>
+          <a:prstGeom prst="rect">
+            <a:avLst/>
+          </a:prstGeom>
+          <a:noFill/>
+          <a:extLst>
+            <a:ext uri="{909E8E84-426E-40DD-AFC4-6F175D3DCCD1}">
+              <a14:hiddenFill xmlns:a14="http://schemas.microsoft.com/office/drawing/2010/main">
+                <a:solidFill>
+                  <a:srgbClr val="FFFFFF"/>
+                </a:solidFill>
+              </a14:hiddenFill>
+            </a:ext>
+          </a:extLst>
+        </p:spPr>
+      </p:pic>
+      <p:pic>
+        <p:nvPicPr>
+          <p:cNvPr id="7" name="Imagem 6"/>
+          <p:cNvPicPr>
+            <a:picLocks noChangeAspect="1"/>
+          </p:cNvPicPr>
+          <p:nvPr/>
+        </p:nvPicPr>
+        <p:blipFill>
+          <a:blip r:embed="rId6" cstate="print">
+            <a:extLst>
+              <a:ext uri="{28A0092B-C50C-407E-A947-70E740481C1C}">
+                <a14:useLocalDpi xmlns:a14="http://schemas.microsoft.com/office/drawing/2010/main" val="0"/>
+              </a:ext>
+            </a:extLst>
+          </a:blip>
+          <a:stretch>
+            <a:fillRect/>
+          </a:stretch>
+        </p:blipFill>
+        <p:spPr>
+          <a:xfrm>
+            <a:off x="838200" y="1613241"/>
+            <a:ext cx="3251721" cy="4334933"/>
+          </a:xfrm>
+          <a:prstGeom prst="rect">
+            <a:avLst/>
+          </a:prstGeom>
+        </p:spPr>
+      </p:pic>
+      <p:pic>
+        <p:nvPicPr>
+          <p:cNvPr id="1032" name="Picture 8" descr="https://dotnetraptors.files.wordpress.com/2010/03/logo_raptors.jpg?w=139&amp;h=87"/>
+          <p:cNvPicPr>
+            <a:picLocks noChangeAspect="1" noChangeArrowheads="1"/>
+          </p:cNvPicPr>
+          <p:nvPr/>
+        </p:nvPicPr>
+        <p:blipFill>
+          <a:blip r:embed="rId7">
+            <a:extLst>
+              <a:ext uri="{28A0092B-C50C-407E-A947-70E740481C1C}">
+                <a14:useLocalDpi xmlns:a14="http://schemas.microsoft.com/office/drawing/2010/main" val="0"/>
+              </a:ext>
+            </a:extLst>
+          </a:blip>
+          <a:srcRect/>
+          <a:stretch>
+            <a:fillRect/>
+          </a:stretch>
+        </p:blipFill>
+        <p:spPr bwMode="auto">
+          <a:xfrm>
+            <a:off x="8254871" y="3269792"/>
+            <a:ext cx="1756314" cy="1099277"/>
+          </a:xfrm>
+          <a:prstGeom prst="rect">
+            <a:avLst/>
+          </a:prstGeom>
+          <a:noFill/>
+          <a:extLst>
+            <a:ext uri="{909E8E84-426E-40DD-AFC4-6F175D3DCCD1}">
+              <a14:hiddenFill xmlns:a14="http://schemas.microsoft.com/office/drawing/2010/main">
+                <a:solidFill>
+                  <a:srgbClr val="FFFFFF"/>
+                </a:solidFill>
+              </a14:hiddenFill>
+            </a:ext>
+          </a:extLst>
+        </p:spPr>
+      </p:pic>
+      <p:sp>
+        <p:nvSpPr>
+          <p:cNvPr id="13" name="CaixaDeTexto 12">
+            <a:hlinkClick r:id="rId8"/>
+          </p:cNvPr>
+          <p:cNvSpPr txBox="1"/>
+          <p:nvPr/>
+        </p:nvSpPr>
+        <p:spPr>
+          <a:xfrm>
+            <a:off x="6781728" y="5551982"/>
+            <a:ext cx="2130893" cy="369332"/>
+          </a:xfrm>
+          <a:prstGeom prst="rect">
+            <a:avLst/>
+          </a:prstGeom>
+          <a:noFill/>
+        </p:spPr>
+        <p:txBody>
+          <a:bodyPr wrap="square" rtlCol="0">
+            <a:spAutoFit/>
+          </a:bodyPr>
+          <a:lstStyle/>
+          <a:p>
+            <a:r>
+              <a:rPr lang="pt-BR" b="1" u="sng" dirty="0" smtClean="0"/>
+              <a:t>www.100loop.com</a:t>
+            </a:r>
+            <a:endParaRPr lang="pt-BR" b="1" u="sng" dirty="0"/>
           </a:p>
         </p:txBody>
       </p:sp>
@@ -4514,15 +4824,15 @@
             </a:r>
             <a:r>
               <a:rPr lang="en-US" dirty="0" smtClean="0"/>
-              <a:t> e </a:t>
+              <a:t> (</a:t>
             </a:r>
             <a:r>
               <a:rPr lang="en-US" dirty="0" err="1" smtClean="0"/>
-              <a:t>possivelmente</a:t>
+              <a:t>opcionalmente</a:t>
             </a:r>
             <a:r>
               <a:rPr lang="en-US" dirty="0" smtClean="0"/>
-              <a:t> a </a:t>
+              <a:t> com </a:t>
             </a:r>
             <a:r>
               <a:rPr lang="en-US" dirty="0" err="1" smtClean="0"/>
@@ -4530,8 +4840,17 @@
             </a:r>
             <a:r>
               <a:rPr lang="en-US" dirty="0" smtClean="0"/>
-              <a:t> de testes.</a:t>
-            </a:r>
+              <a:t> </a:t>
+            </a:r>
+            <a:r>
+              <a:rPr lang="en-US" dirty="0" smtClean="0"/>
+              <a:t>de </a:t>
+            </a:r>
+            <a:r>
+              <a:rPr lang="en-US" dirty="0" smtClean="0"/>
+              <a:t>testes).</a:t>
+            </a:r>
+            <a:endParaRPr lang="en-US" dirty="0" smtClean="0"/>
           </a:p>
           <a:p>
             <a:r>
@@ -4571,28 +4890,20 @@
               <a:t> </a:t>
             </a:r>
             <a:r>
+              <a:rPr lang="en-US" dirty="0" smtClean="0"/>
+              <a:t>a </a:t>
+            </a:r>
+            <a:r>
               <a:rPr lang="en-US" dirty="0" err="1" smtClean="0"/>
-              <a:t>sempre</a:t>
+              <a:t>cada</a:t>
             </a:r>
             <a:r>
               <a:rPr lang="en-US" dirty="0" smtClean="0"/>
-              <a:t> que </a:t>
-            </a:r>
-            <a:r>
-              <a:rPr lang="en-US" dirty="0" err="1" smtClean="0"/>
-              <a:t>que</a:t>
+              <a:t> novo </a:t>
             </a:r>
             <a:r>
               <a:rPr lang="en-US" dirty="0" smtClean="0"/>
-              <a:t> </a:t>
-            </a:r>
-            <a:r>
-              <a:rPr lang="en-US" dirty="0" err="1" smtClean="0"/>
-              <a:t>houver</a:t>
-            </a:r>
-            <a:r>
-              <a:rPr lang="en-US" dirty="0" smtClean="0"/>
-              <a:t> um novo build com </a:t>
+              <a:t>build com </a:t>
             </a:r>
             <a:r>
               <a:rPr lang="en-US" dirty="0" err="1" smtClean="0"/>
@@ -4797,25 +5108,6 @@
           </a:p>
         </p:txBody>
       </p:sp>
-      <p:sp>
-        <p:nvSpPr>
-          <p:cNvPr id="3" name="Espaço Reservado para Conteúdo 2"/>
-          <p:cNvSpPr>
-            <a:spLocks noGrp="1"/>
-          </p:cNvSpPr>
-          <p:nvPr>
-            <p:ph idx="1"/>
-          </p:nvPr>
-        </p:nvSpPr>
-        <p:spPr/>
-        <p:txBody>
-          <a:bodyPr/>
-          <a:lstStyle/>
-          <a:p>
-            <a:endParaRPr lang="pt-BR"/>
-          </a:p>
-        </p:txBody>
-      </p:sp>
       <p:pic>
         <p:nvPicPr>
           <p:cNvPr id="4" name="Imagem 3"/>
@@ -5093,7 +5385,7 @@
           <a:p>
             <a:r>
               <a:rPr lang="en-US" dirty="0" err="1" smtClean="0"/>
-              <a:t>Rápido</a:t>
+              <a:t>Velocidade</a:t>
             </a:r>
             <a:endParaRPr lang="pt-BR" dirty="0"/>
           </a:p>
@@ -5979,9 +6271,9 @@
             <p:grpSpPr>
               <a:xfrm>
                 <a:off x="4421725" y="1352116"/>
-                <a:ext cx="1866484" cy="1289449"/>
+                <a:ext cx="1885720" cy="1289449"/>
                 <a:chOff x="10037441" y="1504516"/>
-                <a:chExt cx="1866484" cy="1289449"/>
+                <a:chExt cx="1885720" cy="1289449"/>
               </a:xfrm>
             </p:grpSpPr>
             <p:sp>
@@ -5993,7 +6285,7 @@
               <p:spPr>
                 <a:xfrm>
                   <a:off x="10037441" y="1504516"/>
-                  <a:ext cx="1866484" cy="544722"/>
+                  <a:ext cx="1885720" cy="544722"/>
                 </a:xfrm>
                 <a:prstGeom prst="rect">
                   <a:avLst/>
@@ -6027,7 +6319,7 @@
                     <a:defRPr/>
                   </a:pPr>
                   <a:r>
-                    <a:rPr kumimoji="0" lang="en-US" sz="1800" b="0" i="0" u="none" strike="noStrike" kern="0" cap="none" spc="0" normalizeH="0" baseline="0" noProof="0" dirty="0">
+                    <a:rPr kumimoji="0" lang="en-US" sz="1800" b="0" i="0" u="none" strike="noStrike" kern="0" cap="none" spc="0" normalizeH="0" baseline="0" noProof="0" dirty="0" err="1" smtClean="0">
                       <a:ln>
                         <a:noFill/>
                       </a:ln>
@@ -6046,8 +6338,49 @@
                       <a:uLnTx/>
                       <a:uFillTx/>
                     </a:rPr>
-                    <a:t>Virtual Machine</a:t>
+                    <a:t>Máquina</a:t>
                   </a:r>
+                  <a:r>
+                    <a:rPr kumimoji="0" lang="en-US" sz="1800" b="0" i="0" u="none" strike="noStrike" kern="0" cap="none" spc="0" normalizeH="0" baseline="0" noProof="0" dirty="0" smtClean="0">
+                      <a:ln>
+                        <a:noFill/>
+                      </a:ln>
+                      <a:gradFill>
+                        <a:gsLst>
+                          <a:gs pos="2917">
+                            <a:srgbClr val="191919"/>
+                          </a:gs>
+                          <a:gs pos="30000">
+                            <a:srgbClr val="191919"/>
+                          </a:gs>
+                        </a:gsLst>
+                        <a:lin ang="5400000" scaled="0"/>
+                      </a:gradFill>
+                      <a:effectLst/>
+                      <a:uLnTx/>
+                      <a:uFillTx/>
+                    </a:rPr>
+                    <a:t> Virtual</a:t>
+                  </a:r>
+                  <a:endParaRPr kumimoji="0" lang="en-US" sz="1800" b="0" i="0" u="none" strike="noStrike" kern="0" cap="none" spc="0" normalizeH="0" baseline="0" noProof="0" dirty="0">
+                    <a:ln>
+                      <a:noFill/>
+                    </a:ln>
+                    <a:gradFill>
+                      <a:gsLst>
+                        <a:gs pos="2917">
+                          <a:srgbClr val="191919"/>
+                        </a:gs>
+                        <a:gs pos="30000">
+                          <a:srgbClr val="191919"/>
+                        </a:gs>
+                      </a:gsLst>
+                      <a:lin ang="5400000" scaled="0"/>
+                    </a:gradFill>
+                    <a:effectLst/>
+                    <a:uLnTx/>
+                    <a:uFillTx/>
+                  </a:endParaRPr>
                 </a:p>
               </p:txBody>
             </p:sp>
